--- a/document/1조 발표 ppt.pptx
+++ b/document/1조 발표 ppt.pptx
@@ -265,7 +265,7 @@
       </p15:sldGuideLst>
     </p:ext>
     <p:ext uri="http://customooxmlschemas.google.com/">
-      <go:slidesCustomData xmlns:go="http://customooxmlschemas.google.com/" r:id="rId15" roundtripDataSignature="AMtx7mgP1EKmJEsSbd6Wust8E0KZAO2OlQ=="/>
+      <go:slidesCustomData xmlns:go="http://customooxmlschemas.google.com/" r:id="rId15" roundtripDataSignature="AMtx7miX5ugsKKPdiWcu3TykbooVMUKL9Q=="/>
     </p:ext>
   </p:extLst>
 </p:presentation>
@@ -1395,7 +1395,7 @@
   <p:cSld>
     <p:spTree>
       <p:nvGrpSpPr>
-        <p:cNvPr id="227" name="Shape 227"/>
+        <p:cNvPr id="233" name="Shape 233"/>
         <p:cNvGrpSpPr/>
         <p:nvPr/>
       </p:nvGrpSpPr>
@@ -1409,7 +1409,7 @@
       </p:grpSpPr>
       <p:sp>
         <p:nvSpPr>
-          <p:cNvPr id="228" name="Google Shape;228;gd686f4e0fa_15_45:notes"/>
+          <p:cNvPr id="234" name="Google Shape;234;gd686f4e0fa_15_45:notes"/>
           <p:cNvSpPr txBox="1"/>
           <p:nvPr>
             <p:ph idx="1" type="body"/>
@@ -1448,7 +1448,7 @@
       </p:sp>
       <p:sp>
         <p:nvSpPr>
-          <p:cNvPr id="229" name="Google Shape;229;gd686f4e0fa_15_45:notes"/>
+          <p:cNvPr id="235" name="Google Shape;235;gd686f4e0fa_15_45:notes"/>
           <p:cNvSpPr/>
           <p:nvPr>
             <p:ph idx="2" type="sldImg"/>
@@ -1494,7 +1494,7 @@
   <p:cSld>
     <p:spTree>
       <p:nvGrpSpPr>
-        <p:cNvPr id="235" name="Shape 235"/>
+        <p:cNvPr id="241" name="Shape 241"/>
         <p:cNvGrpSpPr/>
         <p:nvPr/>
       </p:nvGrpSpPr>
@@ -1508,7 +1508,7 @@
       </p:grpSpPr>
       <p:sp>
         <p:nvSpPr>
-          <p:cNvPr id="236" name="Google Shape;236;gd686f4e0fa_1_67:notes"/>
+          <p:cNvPr id="242" name="Google Shape;242;gd686f4e0fa_1_67:notes"/>
           <p:cNvSpPr txBox="1"/>
           <p:nvPr>
             <p:ph idx="1" type="body"/>
@@ -1547,7 +1547,7 @@
       </p:sp>
       <p:sp>
         <p:nvSpPr>
-          <p:cNvPr id="237" name="Google Shape;237;gd686f4e0fa_1_67:notes"/>
+          <p:cNvPr id="243" name="Google Shape;243;gd686f4e0fa_1_67:notes"/>
           <p:cNvSpPr/>
           <p:nvPr>
             <p:ph idx="2" type="sldImg"/>
@@ -15081,7 +15081,7 @@
         </p:nvSpPr>
         <p:spPr>
           <a:xfrm>
-            <a:off x="7593859" y="2875477"/>
+            <a:off x="7593859" y="2189677"/>
             <a:ext cx="1409700" cy="1409700"/>
           </a:xfrm>
           <a:prstGeom prst="roundRect">
@@ -15132,7 +15132,7 @@
         </p:nvSpPr>
         <p:spPr>
           <a:xfrm>
-            <a:off x="1590497" y="909775"/>
+            <a:off x="1590497" y="528775"/>
             <a:ext cx="1416600" cy="1416600"/>
           </a:xfrm>
           <a:prstGeom prst="roundRect">
@@ -15183,7 +15183,7 @@
         </p:nvSpPr>
         <p:spPr>
           <a:xfrm>
-            <a:off x="92327" y="909775"/>
+            <a:off x="92327" y="528775"/>
             <a:ext cx="1416600" cy="1416600"/>
           </a:xfrm>
           <a:prstGeom prst="roundRect">
@@ -15313,7 +15313,7 @@
         </p:blipFill>
         <p:spPr>
           <a:xfrm>
-            <a:off x="316849" y="988727"/>
+            <a:off x="316849" y="607727"/>
             <a:ext cx="951680" cy="951677"/>
           </a:xfrm>
           <a:prstGeom prst="rect">
@@ -15340,7 +15340,7 @@
         </p:nvSpPr>
         <p:spPr>
           <a:xfrm>
-            <a:off x="92325" y="1940400"/>
+            <a:off x="92325" y="1559400"/>
             <a:ext cx="1416600" cy="369300"/>
           </a:xfrm>
           <a:prstGeom prst="rect">
@@ -15413,7 +15413,7 @@
         </p:blipFill>
         <p:spPr>
           <a:xfrm>
-            <a:off x="1823091" y="1050842"/>
+            <a:off x="1823091" y="669842"/>
             <a:ext cx="951680" cy="951677"/>
           </a:xfrm>
           <a:prstGeom prst="rect">
@@ -15440,7 +15440,7 @@
         </p:nvSpPr>
         <p:spPr>
           <a:xfrm>
-            <a:off x="1590489" y="1965697"/>
+            <a:off x="1590489" y="1584697"/>
             <a:ext cx="1416600" cy="369300"/>
           </a:xfrm>
           <a:prstGeom prst="rect">
@@ -15505,7 +15505,7 @@
         </p:nvSpPr>
         <p:spPr>
           <a:xfrm>
-            <a:off x="4615343" y="909775"/>
+            <a:off x="4615343" y="528775"/>
             <a:ext cx="1416600" cy="1416600"/>
           </a:xfrm>
           <a:prstGeom prst="roundRect">
@@ -15556,7 +15556,7 @@
         </p:nvSpPr>
         <p:spPr>
           <a:xfrm>
-            <a:off x="4615350" y="1965700"/>
+            <a:off x="4615350" y="1584700"/>
             <a:ext cx="1409700" cy="369300"/>
           </a:xfrm>
           <a:prstGeom prst="rect">
@@ -15621,7 +15621,7 @@
         </p:nvSpPr>
         <p:spPr>
           <a:xfrm>
-            <a:off x="4545209" y="2888302"/>
+            <a:off x="4545209" y="2202502"/>
             <a:ext cx="1409700" cy="1409700"/>
           </a:xfrm>
           <a:prstGeom prst="roundRect">
@@ -15672,7 +15672,7 @@
         </p:nvSpPr>
         <p:spPr>
           <a:xfrm>
-            <a:off x="3054314" y="2888302"/>
+            <a:off x="3054314" y="2202502"/>
             <a:ext cx="1409700" cy="1409700"/>
           </a:xfrm>
           <a:prstGeom prst="roundRect">
@@ -15723,7 +15723,7 @@
         </p:nvSpPr>
         <p:spPr>
           <a:xfrm>
-            <a:off x="3054325" y="3913950"/>
+            <a:off x="3054325" y="3228150"/>
             <a:ext cx="1409700" cy="369300"/>
           </a:xfrm>
           <a:prstGeom prst="rect">
@@ -15788,7 +15788,7 @@
         </p:nvSpPr>
         <p:spPr>
           <a:xfrm>
-            <a:off x="4556425" y="3821550"/>
+            <a:off x="4556425" y="3135750"/>
             <a:ext cx="1386300" cy="554100"/>
           </a:xfrm>
           <a:prstGeom prst="rect">
@@ -15861,7 +15861,7 @@
         </p:blipFill>
         <p:spPr>
           <a:xfrm>
-            <a:off x="3277658" y="3028686"/>
+            <a:off x="3277658" y="2342886"/>
             <a:ext cx="947059" cy="947068"/>
           </a:xfrm>
           <a:prstGeom prst="rect">
@@ -15896,7 +15896,7 @@
         </p:blipFill>
         <p:spPr>
           <a:xfrm>
-            <a:off x="4776576" y="3028686"/>
+            <a:off x="4776576" y="2342886"/>
             <a:ext cx="947059" cy="947068"/>
           </a:xfrm>
           <a:prstGeom prst="rect">
@@ -15981,7 +15981,7 @@
         </p:nvSpPr>
         <p:spPr>
           <a:xfrm>
-            <a:off x="3102918" y="905463"/>
+            <a:off x="3102918" y="524463"/>
             <a:ext cx="1416600" cy="1416600"/>
           </a:xfrm>
           <a:prstGeom prst="roundRect">
@@ -16040,7 +16040,7 @@
         </p:blipFill>
         <p:spPr>
           <a:xfrm>
-            <a:off x="3335512" y="1046538"/>
+            <a:off x="3335512" y="665538"/>
             <a:ext cx="951680" cy="951677"/>
           </a:xfrm>
           <a:prstGeom prst="rect">
@@ -16067,7 +16067,7 @@
         </p:nvSpPr>
         <p:spPr>
           <a:xfrm>
-            <a:off x="3102925" y="1961375"/>
+            <a:off x="3102925" y="1580375"/>
             <a:ext cx="1416600" cy="369300"/>
           </a:xfrm>
           <a:prstGeom prst="rect">
@@ -16132,7 +16132,7 @@
         </p:nvSpPr>
         <p:spPr>
           <a:xfrm>
-            <a:off x="6090868" y="909775"/>
+            <a:off x="6090868" y="528775"/>
             <a:ext cx="1416600" cy="1416600"/>
           </a:xfrm>
           <a:prstGeom prst="roundRect">
@@ -16183,7 +16183,7 @@
         </p:nvSpPr>
         <p:spPr>
           <a:xfrm>
-            <a:off x="6090875" y="1965700"/>
+            <a:off x="6090875" y="1584700"/>
             <a:ext cx="1409700" cy="369300"/>
           </a:xfrm>
           <a:prstGeom prst="rect">
@@ -16256,7 +16256,7 @@
         </p:blipFill>
         <p:spPr>
           <a:xfrm>
-            <a:off x="4866245" y="1046536"/>
+            <a:off x="4866245" y="665536"/>
             <a:ext cx="951700" cy="951700"/>
           </a:xfrm>
           <a:prstGeom prst="rect">
@@ -16291,7 +16291,7 @@
         </p:blipFill>
         <p:spPr>
           <a:xfrm>
-            <a:off x="6319876" y="1050825"/>
+            <a:off x="6319876" y="669825"/>
             <a:ext cx="951700" cy="951700"/>
           </a:xfrm>
           <a:prstGeom prst="rect">
@@ -16318,7 +16318,7 @@
         </p:nvSpPr>
         <p:spPr>
           <a:xfrm>
-            <a:off x="92318" y="2874175"/>
+            <a:off x="92318" y="2188375"/>
             <a:ext cx="1416600" cy="1416600"/>
           </a:xfrm>
           <a:prstGeom prst="roundRect">
@@ -16369,7 +16369,7 @@
         </p:nvSpPr>
         <p:spPr>
           <a:xfrm>
-            <a:off x="92325" y="3930100"/>
+            <a:off x="92325" y="3244300"/>
             <a:ext cx="1416600" cy="369300"/>
           </a:xfrm>
           <a:prstGeom prst="rect">
@@ -16434,7 +16434,7 @@
         </p:nvSpPr>
         <p:spPr>
           <a:xfrm>
-            <a:off x="1566643" y="2872013"/>
+            <a:off x="1566643" y="2186213"/>
             <a:ext cx="1416600" cy="1416600"/>
           </a:xfrm>
           <a:prstGeom prst="roundRect">
@@ -16493,7 +16493,7 @@
         </p:blipFill>
         <p:spPr>
           <a:xfrm>
-            <a:off x="425875" y="3093475"/>
+            <a:off x="425875" y="2407675"/>
             <a:ext cx="836613" cy="836613"/>
           </a:xfrm>
           <a:prstGeom prst="rect">
@@ -16520,7 +16520,7 @@
         </p:nvSpPr>
         <p:spPr>
           <a:xfrm>
-            <a:off x="6046646" y="2888302"/>
+            <a:off x="6046646" y="2202502"/>
             <a:ext cx="1409700" cy="1409700"/>
           </a:xfrm>
           <a:prstGeom prst="roundRect">
@@ -16571,7 +16571,7 @@
         </p:nvSpPr>
         <p:spPr>
           <a:xfrm>
-            <a:off x="6036075" y="3923625"/>
+            <a:off x="6036075" y="3237825"/>
             <a:ext cx="1416600" cy="369300"/>
           </a:xfrm>
           <a:prstGeom prst="rect">
@@ -16644,7 +16644,7 @@
         </p:blipFill>
         <p:spPr>
           <a:xfrm>
-            <a:off x="6279813" y="2959625"/>
+            <a:off x="6279813" y="2273825"/>
             <a:ext cx="951700" cy="951700"/>
           </a:xfrm>
           <a:prstGeom prst="rect">
@@ -16678,7 +16678,7 @@
         </p:blipFill>
         <p:spPr>
           <a:xfrm>
-            <a:off x="1845276" y="3075663"/>
+            <a:off x="1845276" y="2389863"/>
             <a:ext cx="859325" cy="859325"/>
           </a:xfrm>
           <a:prstGeom prst="rect">
@@ -16698,7 +16698,7 @@
         </p:nvSpPr>
         <p:spPr>
           <a:xfrm>
-            <a:off x="1581788" y="3923625"/>
+            <a:off x="1581788" y="3237825"/>
             <a:ext cx="1386300" cy="369300"/>
           </a:xfrm>
           <a:prstGeom prst="rect">
@@ -16778,7 +16778,7 @@
         </p:blipFill>
         <p:spPr>
           <a:xfrm>
-            <a:off x="7787688" y="2961961"/>
+            <a:off x="7787688" y="2276161"/>
             <a:ext cx="1013684" cy="947075"/>
           </a:xfrm>
           <a:prstGeom prst="rect">
@@ -16805,7 +16805,7 @@
         </p:nvSpPr>
         <p:spPr>
           <a:xfrm>
-            <a:off x="7605550" y="3913938"/>
+            <a:off x="7605550" y="3228138"/>
             <a:ext cx="1386300" cy="369300"/>
           </a:xfrm>
           <a:prstGeom prst="rect">
@@ -16878,7 +16878,7 @@
         </p:nvSpPr>
         <p:spPr>
           <a:xfrm>
-            <a:off x="7603293" y="905475"/>
+            <a:off x="7603293" y="524475"/>
             <a:ext cx="1416600" cy="1416600"/>
           </a:xfrm>
           <a:prstGeom prst="roundRect">
@@ -16929,7 +16929,7 @@
         </p:nvSpPr>
         <p:spPr>
           <a:xfrm>
-            <a:off x="7603297" y="1957384"/>
+            <a:off x="7603297" y="1576384"/>
             <a:ext cx="1416600" cy="369300"/>
           </a:xfrm>
           <a:prstGeom prst="rect">
@@ -17002,7 +17002,7 @@
         </p:blipFill>
         <p:spPr>
           <a:xfrm>
-            <a:off x="7853950" y="1048838"/>
+            <a:off x="7853950" y="667837"/>
             <a:ext cx="947050" cy="947050"/>
           </a:xfrm>
           <a:prstGeom prst="rect">
@@ -17021,6 +17021,293 @@
           </a:effectLst>
         </p:spPr>
       </p:pic>
+      <p:sp>
+        <p:nvSpPr>
+          <p:cNvPr id="227" name="Google Shape;227;gd686f4e0fa_0_45"/>
+          <p:cNvSpPr/>
+          <p:nvPr/>
+        </p:nvSpPr>
+        <p:spPr>
+          <a:xfrm>
+            <a:off x="97693" y="3706600"/>
+            <a:ext cx="1416600" cy="1416600"/>
+          </a:xfrm>
+          <a:prstGeom prst="roundRect">
+            <a:avLst>
+              <a:gd fmla="val 16667" name="adj"/>
+            </a:avLst>
+          </a:prstGeom>
+          <a:solidFill>
+            <a:srgbClr val="CFE2F3"/>
+          </a:solidFill>
+          <a:ln cap="flat" cmpd="sng" w="9525">
+            <a:solidFill>
+              <a:srgbClr val="CFE2F3"/>
+            </a:solidFill>
+            <a:prstDash val="solid"/>
+            <a:round/>
+            <a:headEnd len="sm" w="sm" type="none"/>
+            <a:tailEnd len="sm" w="sm" type="none"/>
+          </a:ln>
+        </p:spPr>
+        <p:txBody>
+          <a:bodyPr anchorCtr="0" anchor="ctr" bIns="91425" lIns="91425" spcFirstLastPara="1" rIns="91425" wrap="square" tIns="91425">
+            <a:noAutofit/>
+          </a:bodyPr>
+          <a:lstStyle/>
+          <a:p>
+            <a:pPr indent="0" lvl="0" marL="0" rtl="0" algn="l">
+              <a:spcBef>
+                <a:spcPts val="0"/>
+              </a:spcBef>
+              <a:spcAft>
+                <a:spcPts val="0"/>
+              </a:spcAft>
+              <a:buNone/>
+            </a:pPr>
+            <a:r>
+              <a:t/>
+            </a:r>
+            <a:endParaRPr/>
+          </a:p>
+        </p:txBody>
+      </p:sp>
+      <p:sp>
+        <p:nvSpPr>
+          <p:cNvPr id="228" name="Google Shape;228;gd686f4e0fa_0_45"/>
+          <p:cNvSpPr txBox="1"/>
+          <p:nvPr/>
+        </p:nvSpPr>
+        <p:spPr>
+          <a:xfrm>
+            <a:off x="97700" y="4762525"/>
+            <a:ext cx="1416600" cy="369300"/>
+          </a:xfrm>
+          <a:prstGeom prst="rect">
+            <a:avLst/>
+          </a:prstGeom>
+          <a:noFill/>
+          <a:ln>
+            <a:noFill/>
+          </a:ln>
+          <a:effectLst>
+            <a:outerShdw blurRad="57150" rotWithShape="0" algn="bl" dir="5400000" dist="19050">
+              <a:srgbClr val="434343">
+                <a:alpha val="50000"/>
+              </a:srgbClr>
+            </a:outerShdw>
+          </a:effectLst>
+        </p:spPr>
+        <p:txBody>
+          <a:bodyPr anchorCtr="0" anchor="t" bIns="91425" lIns="91425" spcFirstLastPara="1" rIns="91425" wrap="square" tIns="91425">
+            <a:spAutoFit/>
+          </a:bodyPr>
+          <a:lstStyle/>
+          <a:p>
+            <a:pPr indent="0" lvl="0" marL="0" rtl="0" algn="ctr">
+              <a:spcBef>
+                <a:spcPts val="0"/>
+              </a:spcBef>
+              <a:spcAft>
+                <a:spcPts val="0"/>
+              </a:spcAft>
+              <a:buNone/>
+            </a:pPr>
+            <a:r>
+              <a:rPr lang="en-US" sz="1200">
+                <a:solidFill>
+                  <a:schemeClr val="lt1"/>
+                </a:solidFill>
+                <a:latin typeface="Jua"/>
+                <a:ea typeface="Jua"/>
+                <a:cs typeface="Jua"/>
+                <a:sym typeface="Jua"/>
+              </a:rPr>
+              <a:t>HighChart</a:t>
+            </a:r>
+            <a:endParaRPr sz="1200">
+              <a:solidFill>
+                <a:schemeClr val="lt1"/>
+              </a:solidFill>
+              <a:latin typeface="Jua"/>
+              <a:ea typeface="Jua"/>
+              <a:cs typeface="Jua"/>
+              <a:sym typeface="Jua"/>
+            </a:endParaRPr>
+          </a:p>
+        </p:txBody>
+      </p:sp>
+      <p:pic>
+        <p:nvPicPr>
+          <p:cNvPr id="229" name="Google Shape;229;gd686f4e0fa_0_45"/>
+          <p:cNvPicPr preferRelativeResize="0"/>
+          <p:nvPr/>
+        </p:nvPicPr>
+        <p:blipFill rotWithShape="1">
+          <a:blip r:embed="rId16">
+            <a:alphaModFix/>
+          </a:blip>
+          <a:srcRect b="0" l="6829" r="0" t="0"/>
+          <a:stretch/>
+        </p:blipFill>
+        <p:spPr>
+          <a:xfrm>
+            <a:off x="427300" y="3919900"/>
+            <a:ext cx="800625" cy="829475"/>
+          </a:xfrm>
+          <a:prstGeom prst="rect">
+            <a:avLst/>
+          </a:prstGeom>
+          <a:noFill/>
+          <a:ln>
+            <a:noFill/>
+          </a:ln>
+        </p:spPr>
+      </p:pic>
+      <p:sp>
+        <p:nvSpPr>
+          <p:cNvPr id="230" name="Google Shape;230;gd686f4e0fa_0_45"/>
+          <p:cNvSpPr/>
+          <p:nvPr/>
+        </p:nvSpPr>
+        <p:spPr>
+          <a:xfrm>
+            <a:off x="1590630" y="3685075"/>
+            <a:ext cx="1416600" cy="1416600"/>
+          </a:xfrm>
+          <a:prstGeom prst="roundRect">
+            <a:avLst>
+              <a:gd fmla="val 16667" name="adj"/>
+            </a:avLst>
+          </a:prstGeom>
+          <a:solidFill>
+            <a:srgbClr val="CFE2F3"/>
+          </a:solidFill>
+          <a:ln cap="flat" cmpd="sng" w="9525">
+            <a:solidFill>
+              <a:srgbClr val="CFE2F3"/>
+            </a:solidFill>
+            <a:prstDash val="solid"/>
+            <a:round/>
+            <a:headEnd len="sm" w="sm" type="none"/>
+            <a:tailEnd len="sm" w="sm" type="none"/>
+          </a:ln>
+        </p:spPr>
+        <p:txBody>
+          <a:bodyPr anchorCtr="0" anchor="ctr" bIns="91425" lIns="91425" spcFirstLastPara="1" rIns="91425" wrap="square" tIns="91425">
+            <a:noAutofit/>
+          </a:bodyPr>
+          <a:lstStyle/>
+          <a:p>
+            <a:pPr indent="0" lvl="0" marL="0" rtl="0" algn="l">
+              <a:spcBef>
+                <a:spcPts val="0"/>
+              </a:spcBef>
+              <a:spcAft>
+                <a:spcPts val="0"/>
+              </a:spcAft>
+              <a:buNone/>
+            </a:pPr>
+            <a:r>
+              <a:t/>
+            </a:r>
+            <a:endParaRPr/>
+          </a:p>
+        </p:txBody>
+      </p:sp>
+      <p:sp>
+        <p:nvSpPr>
+          <p:cNvPr id="231" name="Google Shape;231;gd686f4e0fa_0_45"/>
+          <p:cNvSpPr txBox="1"/>
+          <p:nvPr/>
+        </p:nvSpPr>
+        <p:spPr>
+          <a:xfrm>
+            <a:off x="1590638" y="4741000"/>
+            <a:ext cx="1416600" cy="369300"/>
+          </a:xfrm>
+          <a:prstGeom prst="rect">
+            <a:avLst/>
+          </a:prstGeom>
+          <a:noFill/>
+          <a:ln>
+            <a:noFill/>
+          </a:ln>
+          <a:effectLst>
+            <a:outerShdw blurRad="57150" rotWithShape="0" algn="bl" dir="5400000" dist="19050">
+              <a:srgbClr val="434343">
+                <a:alpha val="50000"/>
+              </a:srgbClr>
+            </a:outerShdw>
+          </a:effectLst>
+        </p:spPr>
+        <p:txBody>
+          <a:bodyPr anchorCtr="0" anchor="t" bIns="91425" lIns="91425" spcFirstLastPara="1" rIns="91425" wrap="square" tIns="91425">
+            <a:spAutoFit/>
+          </a:bodyPr>
+          <a:lstStyle/>
+          <a:p>
+            <a:pPr indent="0" lvl="0" marL="0" rtl="0" algn="ctr">
+              <a:spcBef>
+                <a:spcPts val="0"/>
+              </a:spcBef>
+              <a:spcAft>
+                <a:spcPts val="0"/>
+              </a:spcAft>
+              <a:buNone/>
+            </a:pPr>
+            <a:r>
+              <a:rPr lang="en-US" sz="1200">
+                <a:solidFill>
+                  <a:schemeClr val="lt1"/>
+                </a:solidFill>
+                <a:latin typeface="Jua"/>
+                <a:ea typeface="Jua"/>
+                <a:cs typeface="Jua"/>
+                <a:sym typeface="Jua"/>
+              </a:rPr>
+              <a:t>FullCalendar</a:t>
+            </a:r>
+            <a:endParaRPr sz="1200">
+              <a:solidFill>
+                <a:schemeClr val="lt1"/>
+              </a:solidFill>
+              <a:latin typeface="Jua"/>
+              <a:ea typeface="Jua"/>
+              <a:cs typeface="Jua"/>
+              <a:sym typeface="Jua"/>
+            </a:endParaRPr>
+          </a:p>
+        </p:txBody>
+      </p:sp>
+      <p:pic>
+        <p:nvPicPr>
+          <p:cNvPr id="232" name="Google Shape;232;gd686f4e0fa_0_45"/>
+          <p:cNvPicPr preferRelativeResize="0"/>
+          <p:nvPr/>
+        </p:nvPicPr>
+        <p:blipFill>
+          <a:blip r:embed="rId17">
+            <a:alphaModFix/>
+          </a:blip>
+          <a:stretch>
+            <a:fillRect/>
+          </a:stretch>
+        </p:blipFill>
+        <p:spPr>
+          <a:xfrm>
+            <a:off x="1953763" y="4017546"/>
+            <a:ext cx="690375" cy="644354"/>
+          </a:xfrm>
+          <a:prstGeom prst="rect">
+            <a:avLst/>
+          </a:prstGeom>
+          <a:noFill/>
+          <a:ln>
+            <a:noFill/>
+          </a:ln>
+        </p:spPr>
+      </p:pic>
     </p:spTree>
   </p:cSld>
   <p:clrMapOvr>
@@ -17034,7 +17321,7 @@
   <p:cSld>
     <p:spTree>
       <p:nvGrpSpPr>
-        <p:cNvPr id="230" name="Shape 230"/>
+        <p:cNvPr id="236" name="Shape 236"/>
         <p:cNvGrpSpPr/>
         <p:nvPr/>
       </p:nvGrpSpPr>
@@ -17048,7 +17335,7 @@
       </p:grpSpPr>
       <p:sp>
         <p:nvSpPr>
-          <p:cNvPr id="231" name="Google Shape;231;gd686f4e0fa_15_45"/>
+          <p:cNvPr id="237" name="Google Shape;237;gd686f4e0fa_15_45"/>
           <p:cNvSpPr/>
           <p:nvPr/>
         </p:nvSpPr>
@@ -17091,7 +17378,7 @@
       </p:sp>
       <p:pic>
         <p:nvPicPr>
-          <p:cNvPr id="232" name="Google Shape;232;gd686f4e0fa_15_45"/>
+          <p:cNvPr id="238" name="Google Shape;238;gd686f4e0fa_15_45"/>
           <p:cNvPicPr preferRelativeResize="0"/>
           <p:nvPr/>
         </p:nvPicPr>
@@ -17119,7 +17406,7 @@
       </p:pic>
       <p:sp>
         <p:nvSpPr>
-          <p:cNvPr id="233" name="Google Shape;233;gd686f4e0fa_15_45"/>
+          <p:cNvPr id="239" name="Google Shape;239;gd686f4e0fa_15_45"/>
           <p:cNvSpPr txBox="1"/>
           <p:nvPr/>
         </p:nvSpPr>
@@ -17189,7 +17476,7 @@
       </p:sp>
       <p:pic>
         <p:nvPicPr>
-          <p:cNvPr id="234" name="Google Shape;234;gd686f4e0fa_15_45"/>
+          <p:cNvPr id="240" name="Google Shape;240;gd686f4e0fa_15_45"/>
           <p:cNvPicPr preferRelativeResize="0"/>
           <p:nvPr/>
         </p:nvPicPr>
@@ -17235,7 +17522,7 @@
     </p:bg>
     <p:spTree>
       <p:nvGrpSpPr>
-        <p:cNvPr id="238" name="Shape 238"/>
+        <p:cNvPr id="244" name="Shape 244"/>
         <p:cNvGrpSpPr/>
         <p:nvPr/>
       </p:nvGrpSpPr>
@@ -17249,7 +17536,7 @@
       </p:grpSpPr>
       <p:sp>
         <p:nvSpPr>
-          <p:cNvPr id="239" name="Google Shape;239;gd686f4e0fa_1_67"/>
+          <p:cNvPr id="245" name="Google Shape;245;gd686f4e0fa_1_67"/>
           <p:cNvSpPr txBox="1"/>
           <p:nvPr/>
         </p:nvSpPr>
@@ -17310,7 +17597,7 @@
       </p:sp>
       <p:sp>
         <p:nvSpPr>
-          <p:cNvPr id="240" name="Google Shape;240;gd686f4e0fa_1_67"/>
+          <p:cNvPr id="246" name="Google Shape;246;gd686f4e0fa_1_67"/>
           <p:cNvSpPr/>
           <p:nvPr/>
         </p:nvSpPr>
@@ -17360,6 +17647,285 @@
 </file>
 
 <file path=ppt/theme/theme1.xml><?xml version="1.0" encoding="utf-8"?>
+<a:theme xmlns:a="http://schemas.openxmlformats.org/drawingml/2006/main" xmlns:r="http://schemas.openxmlformats.org/officeDocument/2006/relationships" name="Office Theme">
+  <a:themeElements>
+    <a:clrScheme name="Office">
+      <a:dk1>
+        <a:srgbClr val="000000"/>
+      </a:dk1>
+      <a:lt1>
+        <a:srgbClr val="FFFFFF"/>
+      </a:lt1>
+      <a:dk2>
+        <a:srgbClr val="1F497D"/>
+      </a:dk2>
+      <a:lt2>
+        <a:srgbClr val="EEECE1"/>
+      </a:lt2>
+      <a:accent1>
+        <a:srgbClr val="4F81BD"/>
+      </a:accent1>
+      <a:accent2>
+        <a:srgbClr val="C0504D"/>
+      </a:accent2>
+      <a:accent3>
+        <a:srgbClr val="9BBB59"/>
+      </a:accent3>
+      <a:accent4>
+        <a:srgbClr val="8064A2"/>
+      </a:accent4>
+      <a:accent5>
+        <a:srgbClr val="4BACC6"/>
+      </a:accent5>
+      <a:accent6>
+        <a:srgbClr val="F79646"/>
+      </a:accent6>
+      <a:hlink>
+        <a:srgbClr val="0000FF"/>
+      </a:hlink>
+      <a:folHlink>
+        <a:srgbClr val="800080"/>
+      </a:folHlink>
+    </a:clrScheme>
+    <a:fontScheme name="Office">
+      <a:majorFont>
+        <a:latin typeface="Arial"/>
+        <a:ea typeface=""/>
+        <a:cs typeface=""/>
+        <a:font script="Jpan" typeface="ＭＳ Ｐゴシック"/>
+        <a:font script="Hang" typeface="맑은 고딕"/>
+        <a:font script="Hans" typeface="宋体"/>
+        <a:font script="Hant" typeface="新細明體"/>
+        <a:font script="Arab" typeface="Times New Roman"/>
+        <a:font script="Hebr" typeface="Times New Roman"/>
+        <a:font script="Thai" typeface="Angsana New"/>
+        <a:font script="Ethi" typeface="Nyala"/>
+        <a:font script="Beng" typeface="Vrinda"/>
+        <a:font script="Gujr" typeface="Shruti"/>
+        <a:font script="Khmr" typeface="MoolBoran"/>
+        <a:font script="Knda" typeface="Tunga"/>
+        <a:font script="Guru" typeface="Raavi"/>
+        <a:font script="Cans" typeface="Euphemia"/>
+        <a:font script="Cher" typeface="Plantagenet Cherokee"/>
+        <a:font script="Yiii" typeface="Microsoft Yi Baiti"/>
+        <a:font script="Tibt" typeface="Microsoft Himalaya"/>
+        <a:font script="Thaa" typeface="MV Boli"/>
+        <a:font script="Deva" typeface="Mangal"/>
+        <a:font script="Telu" typeface="Gautami"/>
+        <a:font script="Taml" typeface="Latha"/>
+        <a:font script="Syrc" typeface="Estrangelo Edessa"/>
+        <a:font script="Orya" typeface="Kalinga"/>
+        <a:font script="Mlym" typeface="Kartika"/>
+        <a:font script="Laoo" typeface="DokChampa"/>
+        <a:font script="Sinh" typeface="Iskoola Pota"/>
+        <a:font script="Mong" typeface="Mongolian Baiti"/>
+        <a:font script="Viet" typeface="Times New Roman"/>
+        <a:font script="Uigh" typeface="Microsoft Uighur"/>
+        <a:font script="Geor" typeface="Sylfaen"/>
+      </a:majorFont>
+      <a:minorFont>
+        <a:latin typeface="Arial"/>
+        <a:ea typeface=""/>
+        <a:cs typeface=""/>
+        <a:font script="Jpan" typeface="ＭＳ Ｐゴシック"/>
+        <a:font script="Hang" typeface="맑은 고딕"/>
+        <a:font script="Hans" typeface="宋体"/>
+        <a:font script="Hant" typeface="新細明體"/>
+        <a:font script="Arab" typeface="Arial"/>
+        <a:font script="Hebr" typeface="Arial"/>
+        <a:font script="Thai" typeface="Cordia New"/>
+        <a:font script="Ethi" typeface="Nyala"/>
+        <a:font script="Beng" typeface="Vrinda"/>
+        <a:font script="Gujr" typeface="Shruti"/>
+        <a:font script="Khmr" typeface="DaunPenh"/>
+        <a:font script="Knda" typeface="Tunga"/>
+        <a:font script="Guru" typeface="Raavi"/>
+        <a:font script="Cans" typeface="Euphemia"/>
+        <a:font script="Cher" typeface="Plantagenet Cherokee"/>
+        <a:font script="Yiii" typeface="Microsoft Yi Baiti"/>
+        <a:font script="Tibt" typeface="Microsoft Himalaya"/>
+        <a:font script="Thaa" typeface="MV Boli"/>
+        <a:font script="Deva" typeface="Mangal"/>
+        <a:font script="Telu" typeface="Gautami"/>
+        <a:font script="Taml" typeface="Latha"/>
+        <a:font script="Syrc" typeface="Estrangelo Edessa"/>
+        <a:font script="Orya" typeface="Kalinga"/>
+        <a:font script="Mlym" typeface="Kartika"/>
+        <a:font script="Laoo" typeface="DokChampa"/>
+        <a:font script="Sinh" typeface="Iskoola Pota"/>
+        <a:font script="Mong" typeface="Mongolian Baiti"/>
+        <a:font script="Viet" typeface="Arial"/>
+        <a:font script="Uigh" typeface="Microsoft Uighur"/>
+        <a:font script="Geor" typeface="Sylfaen"/>
+      </a:minorFont>
+    </a:fontScheme>
+    <a:fmtScheme name="Office">
+      <a:fillStyleLst>
+        <a:solidFill>
+          <a:schemeClr val="phClr"/>
+        </a:solidFill>
+        <a:gradFill rotWithShape="1">
+          <a:gsLst>
+            <a:gs pos="0">
+              <a:schemeClr val="phClr">
+                <a:tint val="50000"/>
+                <a:satMod val="300000"/>
+              </a:schemeClr>
+            </a:gs>
+            <a:gs pos="35000">
+              <a:schemeClr val="phClr">
+                <a:tint val="37000"/>
+                <a:satMod val="300000"/>
+              </a:schemeClr>
+            </a:gs>
+            <a:gs pos="100000">
+              <a:schemeClr val="phClr">
+                <a:tint val="15000"/>
+                <a:satMod val="350000"/>
+              </a:schemeClr>
+            </a:gs>
+          </a:gsLst>
+          <a:lin ang="16200000" scaled="1"/>
+        </a:gradFill>
+        <a:gradFill rotWithShape="1">
+          <a:gsLst>
+            <a:gs pos="0">
+              <a:schemeClr val="phClr">
+                <a:tint val="100000"/>
+                <a:shade val="100000"/>
+                <a:satMod val="130000"/>
+              </a:schemeClr>
+            </a:gs>
+            <a:gs pos="100000">
+              <a:schemeClr val="phClr">
+                <a:tint val="50000"/>
+                <a:shade val="100000"/>
+                <a:satMod val="350000"/>
+              </a:schemeClr>
+            </a:gs>
+          </a:gsLst>
+          <a:lin ang="16200000" scaled="0"/>
+        </a:gradFill>
+      </a:fillStyleLst>
+      <a:lnStyleLst>
+        <a:ln w="9525" cap="flat" cmpd="sng" algn="ctr">
+          <a:solidFill>
+            <a:schemeClr val="phClr">
+              <a:shade val="95000"/>
+              <a:satMod val="105000"/>
+            </a:schemeClr>
+          </a:solidFill>
+          <a:prstDash val="solid"/>
+        </a:ln>
+        <a:ln w="25400" cap="flat" cmpd="sng" algn="ctr">
+          <a:solidFill>
+            <a:schemeClr val="phClr"/>
+          </a:solidFill>
+          <a:prstDash val="solid"/>
+        </a:ln>
+        <a:ln w="38100" cap="flat" cmpd="sng" algn="ctr">
+          <a:solidFill>
+            <a:schemeClr val="phClr"/>
+          </a:solidFill>
+          <a:prstDash val="solid"/>
+        </a:ln>
+      </a:lnStyleLst>
+      <a:effectStyleLst>
+        <a:effectStyle>
+          <a:effectLst>
+            <a:outerShdw blurRad="40000" dist="20000" dir="5400000" rotWithShape="0">
+              <a:srgbClr val="000000">
+                <a:alpha val="38000"/>
+              </a:srgbClr>
+            </a:outerShdw>
+          </a:effectLst>
+        </a:effectStyle>
+        <a:effectStyle>
+          <a:effectLst>
+            <a:outerShdw blurRad="40000" dist="23000" dir="5400000" rotWithShape="0">
+              <a:srgbClr val="000000">
+                <a:alpha val="35000"/>
+              </a:srgbClr>
+            </a:outerShdw>
+          </a:effectLst>
+        </a:effectStyle>
+        <a:effectStyle>
+          <a:effectLst>
+            <a:outerShdw blurRad="40000" dist="23000" dir="5400000" rotWithShape="0">
+              <a:srgbClr val="000000">
+                <a:alpha val="35000"/>
+              </a:srgbClr>
+            </a:outerShdw>
+          </a:effectLst>
+          <a:scene3d>
+            <a:camera prst="orthographicFront">
+              <a:rot lat="0" lon="0" rev="0"/>
+            </a:camera>
+            <a:lightRig rig="threePt" dir="t">
+              <a:rot lat="0" lon="0" rev="1200000"/>
+            </a:lightRig>
+          </a:scene3d>
+          <a:sp3d>
+            <a:bevelT w="63500" h="25400"/>
+          </a:sp3d>
+        </a:effectStyle>
+      </a:effectStyleLst>
+      <a:bgFillStyleLst>
+        <a:solidFill>
+          <a:schemeClr val="phClr"/>
+        </a:solidFill>
+        <a:gradFill rotWithShape="1">
+          <a:gsLst>
+            <a:gs pos="0">
+              <a:schemeClr val="phClr">
+                <a:tint val="40000"/>
+                <a:satMod val="350000"/>
+              </a:schemeClr>
+            </a:gs>
+            <a:gs pos="40000">
+              <a:schemeClr val="phClr">
+                <a:tint val="45000"/>
+                <a:shade val="99000"/>
+                <a:satMod val="350000"/>
+              </a:schemeClr>
+            </a:gs>
+            <a:gs pos="100000">
+              <a:schemeClr val="phClr">
+                <a:shade val="20000"/>
+                <a:satMod val="255000"/>
+              </a:schemeClr>
+            </a:gs>
+          </a:gsLst>
+          <a:path path="circle">
+            <a:fillToRect l="50000" t="-80000" r="50000" b="180000"/>
+          </a:path>
+        </a:gradFill>
+        <a:gradFill rotWithShape="1">
+          <a:gsLst>
+            <a:gs pos="0">
+              <a:schemeClr val="phClr">
+                <a:tint val="80000"/>
+                <a:satMod val="300000"/>
+              </a:schemeClr>
+            </a:gs>
+            <a:gs pos="100000">
+              <a:schemeClr val="phClr">
+                <a:shade val="30000"/>
+                <a:satMod val="200000"/>
+              </a:schemeClr>
+            </a:gs>
+          </a:gsLst>
+          <a:path path="circle">
+            <a:fillToRect l="50000" t="50000" r="50000" b="50000"/>
+          </a:path>
+        </a:gradFill>
+      </a:bgFillStyleLst>
+    </a:fmtScheme>
+  </a:themeElements>
+</a:theme>
+</file>
+
+<file path=ppt/theme/theme2.xml><?xml version="1.0" encoding="utf-8"?>
 <a:theme xmlns:a="http://schemas.openxmlformats.org/drawingml/2006/main" xmlns:r="http://schemas.openxmlformats.org/officeDocument/2006/relationships">
   <a:themeElements>
     <a:clrScheme name="Default">
@@ -17636,283 +18202,4 @@
     </a:fmtScheme>
   </a:themeElements>
 </a:theme>
-</file>
-
-<file path=ppt/theme/theme2.xml><?xml version="1.0" encoding="utf-8"?>
-<a:theme xmlns:a="http://schemas.openxmlformats.org/drawingml/2006/main" xmlns:r="http://schemas.openxmlformats.org/officeDocument/2006/relationships" name="Office Theme">
-  <a:themeElements>
-    <a:clrScheme name="Office">
-      <a:dk1>
-        <a:srgbClr val="000000"/>
-      </a:dk1>
-      <a:lt1>
-        <a:srgbClr val="FFFFFF"/>
-      </a:lt1>
-      <a:dk2>
-        <a:srgbClr val="1F497D"/>
-      </a:dk2>
-      <a:lt2>
-        <a:srgbClr val="EEECE1"/>
-      </a:lt2>
-      <a:accent1>
-        <a:srgbClr val="4F81BD"/>
-      </a:accent1>
-      <a:accent2>
-        <a:srgbClr val="C0504D"/>
-      </a:accent2>
-      <a:accent3>
-        <a:srgbClr val="9BBB59"/>
-      </a:accent3>
-      <a:accent4>
-        <a:srgbClr val="8064A2"/>
-      </a:accent4>
-      <a:accent5>
-        <a:srgbClr val="4BACC6"/>
-      </a:accent5>
-      <a:accent6>
-        <a:srgbClr val="F79646"/>
-      </a:accent6>
-      <a:hlink>
-        <a:srgbClr val="0000FF"/>
-      </a:hlink>
-      <a:folHlink>
-        <a:srgbClr val="800080"/>
-      </a:folHlink>
-    </a:clrScheme>
-    <a:fontScheme name="Office">
-      <a:majorFont>
-        <a:latin typeface="Arial"/>
-        <a:ea typeface=""/>
-        <a:cs typeface=""/>
-        <a:font script="Jpan" typeface="ＭＳ Ｐゴシック"/>
-        <a:font script="Hang" typeface="맑은 고딕"/>
-        <a:font script="Hans" typeface="宋体"/>
-        <a:font script="Hant" typeface="新細明體"/>
-        <a:font script="Arab" typeface="Times New Roman"/>
-        <a:font script="Hebr" typeface="Times New Roman"/>
-        <a:font script="Thai" typeface="Angsana New"/>
-        <a:font script="Ethi" typeface="Nyala"/>
-        <a:font script="Beng" typeface="Vrinda"/>
-        <a:font script="Gujr" typeface="Shruti"/>
-        <a:font script="Khmr" typeface="MoolBoran"/>
-        <a:font script="Knda" typeface="Tunga"/>
-        <a:font script="Guru" typeface="Raavi"/>
-        <a:font script="Cans" typeface="Euphemia"/>
-        <a:font script="Cher" typeface="Plantagenet Cherokee"/>
-        <a:font script="Yiii" typeface="Microsoft Yi Baiti"/>
-        <a:font script="Tibt" typeface="Microsoft Himalaya"/>
-        <a:font script="Thaa" typeface="MV Boli"/>
-        <a:font script="Deva" typeface="Mangal"/>
-        <a:font script="Telu" typeface="Gautami"/>
-        <a:font script="Taml" typeface="Latha"/>
-        <a:font script="Syrc" typeface="Estrangelo Edessa"/>
-        <a:font script="Orya" typeface="Kalinga"/>
-        <a:font script="Mlym" typeface="Kartika"/>
-        <a:font script="Laoo" typeface="DokChampa"/>
-        <a:font script="Sinh" typeface="Iskoola Pota"/>
-        <a:font script="Mong" typeface="Mongolian Baiti"/>
-        <a:font script="Viet" typeface="Times New Roman"/>
-        <a:font script="Uigh" typeface="Microsoft Uighur"/>
-        <a:font script="Geor" typeface="Sylfaen"/>
-      </a:majorFont>
-      <a:minorFont>
-        <a:latin typeface="Arial"/>
-        <a:ea typeface=""/>
-        <a:cs typeface=""/>
-        <a:font script="Jpan" typeface="ＭＳ Ｐゴシック"/>
-        <a:font script="Hang" typeface="맑은 고딕"/>
-        <a:font script="Hans" typeface="宋体"/>
-        <a:font script="Hant" typeface="新細明體"/>
-        <a:font script="Arab" typeface="Arial"/>
-        <a:font script="Hebr" typeface="Arial"/>
-        <a:font script="Thai" typeface="Cordia New"/>
-        <a:font script="Ethi" typeface="Nyala"/>
-        <a:font script="Beng" typeface="Vrinda"/>
-        <a:font script="Gujr" typeface="Shruti"/>
-        <a:font script="Khmr" typeface="DaunPenh"/>
-        <a:font script="Knda" typeface="Tunga"/>
-        <a:font script="Guru" typeface="Raavi"/>
-        <a:font script="Cans" typeface="Euphemia"/>
-        <a:font script="Cher" typeface="Plantagenet Cherokee"/>
-        <a:font script="Yiii" typeface="Microsoft Yi Baiti"/>
-        <a:font script="Tibt" typeface="Microsoft Himalaya"/>
-        <a:font script="Thaa" typeface="MV Boli"/>
-        <a:font script="Deva" typeface="Mangal"/>
-        <a:font script="Telu" typeface="Gautami"/>
-        <a:font script="Taml" typeface="Latha"/>
-        <a:font script="Syrc" typeface="Estrangelo Edessa"/>
-        <a:font script="Orya" typeface="Kalinga"/>
-        <a:font script="Mlym" typeface="Kartika"/>
-        <a:font script="Laoo" typeface="DokChampa"/>
-        <a:font script="Sinh" typeface="Iskoola Pota"/>
-        <a:font script="Mong" typeface="Mongolian Baiti"/>
-        <a:font script="Viet" typeface="Arial"/>
-        <a:font script="Uigh" typeface="Microsoft Uighur"/>
-        <a:font script="Geor" typeface="Sylfaen"/>
-      </a:minorFont>
-    </a:fontScheme>
-    <a:fmtScheme name="Office">
-      <a:fillStyleLst>
-        <a:solidFill>
-          <a:schemeClr val="phClr"/>
-        </a:solidFill>
-        <a:gradFill rotWithShape="1">
-          <a:gsLst>
-            <a:gs pos="0">
-              <a:schemeClr val="phClr">
-                <a:tint val="50000"/>
-                <a:satMod val="300000"/>
-              </a:schemeClr>
-            </a:gs>
-            <a:gs pos="35000">
-              <a:schemeClr val="phClr">
-                <a:tint val="37000"/>
-                <a:satMod val="300000"/>
-              </a:schemeClr>
-            </a:gs>
-            <a:gs pos="100000">
-              <a:schemeClr val="phClr">
-                <a:tint val="15000"/>
-                <a:satMod val="350000"/>
-              </a:schemeClr>
-            </a:gs>
-          </a:gsLst>
-          <a:lin ang="16200000" scaled="1"/>
-        </a:gradFill>
-        <a:gradFill rotWithShape="1">
-          <a:gsLst>
-            <a:gs pos="0">
-              <a:schemeClr val="phClr">
-                <a:tint val="100000"/>
-                <a:shade val="100000"/>
-                <a:satMod val="130000"/>
-              </a:schemeClr>
-            </a:gs>
-            <a:gs pos="100000">
-              <a:schemeClr val="phClr">
-                <a:tint val="50000"/>
-                <a:shade val="100000"/>
-                <a:satMod val="350000"/>
-              </a:schemeClr>
-            </a:gs>
-          </a:gsLst>
-          <a:lin ang="16200000" scaled="0"/>
-        </a:gradFill>
-      </a:fillStyleLst>
-      <a:lnStyleLst>
-        <a:ln w="9525" cap="flat" cmpd="sng" algn="ctr">
-          <a:solidFill>
-            <a:schemeClr val="phClr">
-              <a:shade val="95000"/>
-              <a:satMod val="105000"/>
-            </a:schemeClr>
-          </a:solidFill>
-          <a:prstDash val="solid"/>
-        </a:ln>
-        <a:ln w="25400" cap="flat" cmpd="sng" algn="ctr">
-          <a:solidFill>
-            <a:schemeClr val="phClr"/>
-          </a:solidFill>
-          <a:prstDash val="solid"/>
-        </a:ln>
-        <a:ln w="38100" cap="flat" cmpd="sng" algn="ctr">
-          <a:solidFill>
-            <a:schemeClr val="phClr"/>
-          </a:solidFill>
-          <a:prstDash val="solid"/>
-        </a:ln>
-      </a:lnStyleLst>
-      <a:effectStyleLst>
-        <a:effectStyle>
-          <a:effectLst>
-            <a:outerShdw blurRad="40000" dist="20000" dir="5400000" rotWithShape="0">
-              <a:srgbClr val="000000">
-                <a:alpha val="38000"/>
-              </a:srgbClr>
-            </a:outerShdw>
-          </a:effectLst>
-        </a:effectStyle>
-        <a:effectStyle>
-          <a:effectLst>
-            <a:outerShdw blurRad="40000" dist="23000" dir="5400000" rotWithShape="0">
-              <a:srgbClr val="000000">
-                <a:alpha val="35000"/>
-              </a:srgbClr>
-            </a:outerShdw>
-          </a:effectLst>
-        </a:effectStyle>
-        <a:effectStyle>
-          <a:effectLst>
-            <a:outerShdw blurRad="40000" dist="23000" dir="5400000" rotWithShape="0">
-              <a:srgbClr val="000000">
-                <a:alpha val="35000"/>
-              </a:srgbClr>
-            </a:outerShdw>
-          </a:effectLst>
-          <a:scene3d>
-            <a:camera prst="orthographicFront">
-              <a:rot lat="0" lon="0" rev="0"/>
-            </a:camera>
-            <a:lightRig rig="threePt" dir="t">
-              <a:rot lat="0" lon="0" rev="1200000"/>
-            </a:lightRig>
-          </a:scene3d>
-          <a:sp3d>
-            <a:bevelT w="63500" h="25400"/>
-          </a:sp3d>
-        </a:effectStyle>
-      </a:effectStyleLst>
-      <a:bgFillStyleLst>
-        <a:solidFill>
-          <a:schemeClr val="phClr"/>
-        </a:solidFill>
-        <a:gradFill rotWithShape="1">
-          <a:gsLst>
-            <a:gs pos="0">
-              <a:schemeClr val="phClr">
-                <a:tint val="40000"/>
-                <a:satMod val="350000"/>
-              </a:schemeClr>
-            </a:gs>
-            <a:gs pos="40000">
-              <a:schemeClr val="phClr">
-                <a:tint val="45000"/>
-                <a:shade val="99000"/>
-                <a:satMod val="350000"/>
-              </a:schemeClr>
-            </a:gs>
-            <a:gs pos="100000">
-              <a:schemeClr val="phClr">
-                <a:shade val="20000"/>
-                <a:satMod val="255000"/>
-              </a:schemeClr>
-            </a:gs>
-          </a:gsLst>
-          <a:path path="circle">
-            <a:fillToRect l="50000" t="-80000" r="50000" b="180000"/>
-          </a:path>
-        </a:gradFill>
-        <a:gradFill rotWithShape="1">
-          <a:gsLst>
-            <a:gs pos="0">
-              <a:schemeClr val="phClr">
-                <a:tint val="80000"/>
-                <a:satMod val="300000"/>
-              </a:schemeClr>
-            </a:gs>
-            <a:gs pos="100000">
-              <a:schemeClr val="phClr">
-                <a:shade val="30000"/>
-                <a:satMod val="200000"/>
-              </a:schemeClr>
-            </a:gs>
-          </a:gsLst>
-          <a:path path="circle">
-            <a:fillToRect l="50000" t="50000" r="50000" b="50000"/>
-          </a:path>
-        </a:gradFill>
-      </a:bgFillStyleLst>
-    </a:fmtScheme>
-  </a:themeElements>
-</a:theme>
 </file>